--- a/Project3Presentation.pptx
+++ b/Project3Presentation.pptx
@@ -6817,7 +6817,7 @@
         </p:spPr>
         <p:txBody>
           <a:bodyPr anchor="t">
-            <a:normAutofit fontScale="77500" lnSpcReduction="20000"/>
+            <a:normAutofit fontScale="85000" lnSpcReduction="20000"/>
           </a:bodyPr>
           <a:lstStyle/>
           <a:p>
@@ -6907,7 +6907,7 @@
           </a:p>
           <a:p>
             <a:r>
-              <a:rPr lang="en-US" sz="2400" dirty="0"/>
+              <a:rPr lang="en-US" sz="2100" dirty="0"/>
               <a:t>Model vs Score</a:t>
             </a:r>
           </a:p>
@@ -6920,7 +6920,7 @@
           <a:p>
             <a:r>
               <a:rPr lang="en-US" sz="2000" dirty="0"/>
-              <a:t>Testing on Tweets</a:t>
+              <a:t>Tweets per Day</a:t>
             </a:r>
           </a:p>
           <a:p>
@@ -6932,18 +6932,9 @@
           <a:p>
             <a:pPr lvl="1"/>
             <a:r>
-              <a:rPr lang="en-US" sz="1600" dirty="0"/>
-              <a:t>WHATEVER</a:t>
-            </a:r>
-          </a:p>
-          <a:p>
-            <a:r>
               <a:rPr lang="en-US" sz="2000" dirty="0"/>
-              <a:t>Word cloud on word counts</a:t>
-            </a:r>
-          </a:p>
-          <a:p>
-            <a:endParaRPr lang="en-US" sz="2000" dirty="0"/>
+              <a:t>Word Cloud</a:t>
+            </a:r>
           </a:p>
           <a:p>
             <a:endParaRPr lang="en-US" sz="2000" dirty="0"/>
@@ -8729,12 +8720,12 @@
           <a:p>
             <a:pPr algn="ctr"/>
             <a:r>
-              <a:rPr lang="en-US" sz="2600">
+              <a:rPr lang="en-US" sz="2600" dirty="0">
                 <a:solidFill>
                   <a:srgbClr val="FFFFFF"/>
                 </a:solidFill>
               </a:rPr>
-              <a:t>Models Vs. Scores</a:t>
+              <a:t>Model Vs. Score</a:t>
             </a:r>
           </a:p>
         </p:txBody>
